--- a/PHY2026/Experiment_2/Final_Report/pre_exp2.pptx
+++ b/PHY2026/Experiment_2/Final_Report/pre_exp2.pptx
@@ -238,7 +238,7 @@
           <a:p>
             <a:fld id="{A25876A8-7E41-4E60-A630-D31C70625FFA}" type="datetimeFigureOut">
               <a:rPr lang="en-GB" smtClean="0"/>
-              <a:t>22/11/2018</a:t>
+              <a:t>29/11/18</a:t>
             </a:fld>
             <a:endParaRPr lang="en-GB"/>
           </a:p>
@@ -408,7 +408,7 @@
           <a:p>
             <a:fld id="{A25876A8-7E41-4E60-A630-D31C70625FFA}" type="datetimeFigureOut">
               <a:rPr lang="en-GB" smtClean="0"/>
-              <a:t>22/11/2018</a:t>
+              <a:t>29/11/18</a:t>
             </a:fld>
             <a:endParaRPr lang="en-GB"/>
           </a:p>
@@ -588,7 +588,7 @@
           <a:p>
             <a:fld id="{A25876A8-7E41-4E60-A630-D31C70625FFA}" type="datetimeFigureOut">
               <a:rPr lang="en-GB" smtClean="0"/>
-              <a:t>22/11/2018</a:t>
+              <a:t>29/11/18</a:t>
             </a:fld>
             <a:endParaRPr lang="en-GB"/>
           </a:p>
@@ -758,7 +758,7 @@
           <a:p>
             <a:fld id="{A25876A8-7E41-4E60-A630-D31C70625FFA}" type="datetimeFigureOut">
               <a:rPr lang="en-GB" smtClean="0"/>
-              <a:t>22/11/2018</a:t>
+              <a:t>29/11/18</a:t>
             </a:fld>
             <a:endParaRPr lang="en-GB"/>
           </a:p>
@@ -1004,7 +1004,7 @@
           <a:p>
             <a:fld id="{A25876A8-7E41-4E60-A630-D31C70625FFA}" type="datetimeFigureOut">
               <a:rPr lang="en-GB" smtClean="0"/>
-              <a:t>22/11/2018</a:t>
+              <a:t>29/11/18</a:t>
             </a:fld>
             <a:endParaRPr lang="en-GB"/>
           </a:p>
@@ -1236,7 +1236,7 @@
           <a:p>
             <a:fld id="{A25876A8-7E41-4E60-A630-D31C70625FFA}" type="datetimeFigureOut">
               <a:rPr lang="en-GB" smtClean="0"/>
-              <a:t>22/11/2018</a:t>
+              <a:t>29/11/18</a:t>
             </a:fld>
             <a:endParaRPr lang="en-GB"/>
           </a:p>
@@ -1603,7 +1603,7 @@
           <a:p>
             <a:fld id="{A25876A8-7E41-4E60-A630-D31C70625FFA}" type="datetimeFigureOut">
               <a:rPr lang="en-GB" smtClean="0"/>
-              <a:t>22/11/2018</a:t>
+              <a:t>29/11/18</a:t>
             </a:fld>
             <a:endParaRPr lang="en-GB"/>
           </a:p>
@@ -1721,7 +1721,7 @@
           <a:p>
             <a:fld id="{A25876A8-7E41-4E60-A630-D31C70625FFA}" type="datetimeFigureOut">
               <a:rPr lang="en-GB" smtClean="0"/>
-              <a:t>22/11/2018</a:t>
+              <a:t>29/11/18</a:t>
             </a:fld>
             <a:endParaRPr lang="en-GB"/>
           </a:p>
@@ -1816,7 +1816,7 @@
           <a:p>
             <a:fld id="{A25876A8-7E41-4E60-A630-D31C70625FFA}" type="datetimeFigureOut">
               <a:rPr lang="en-GB" smtClean="0"/>
-              <a:t>22/11/2018</a:t>
+              <a:t>29/11/18</a:t>
             </a:fld>
             <a:endParaRPr lang="en-GB"/>
           </a:p>
@@ -2093,7 +2093,7 @@
           <a:p>
             <a:fld id="{A25876A8-7E41-4E60-A630-D31C70625FFA}" type="datetimeFigureOut">
               <a:rPr lang="en-GB" smtClean="0"/>
-              <a:t>22/11/2018</a:t>
+              <a:t>29/11/18</a:t>
             </a:fld>
             <a:endParaRPr lang="en-GB"/>
           </a:p>
@@ -2346,7 +2346,7 @@
           <a:p>
             <a:fld id="{A25876A8-7E41-4E60-A630-D31C70625FFA}" type="datetimeFigureOut">
               <a:rPr lang="en-GB" smtClean="0"/>
-              <a:t>22/11/2018</a:t>
+              <a:t>29/11/18</a:t>
             </a:fld>
             <a:endParaRPr lang="en-GB"/>
           </a:p>
@@ -2559,7 +2559,7 @@
           <a:p>
             <a:fld id="{A25876A8-7E41-4E60-A630-D31C70625FFA}" type="datetimeFigureOut">
               <a:rPr lang="en-GB" smtClean="0"/>
-              <a:t>22/11/2018</a:t>
+              <a:t>29/11/18</a:t>
             </a:fld>
             <a:endParaRPr lang="en-GB"/>
           </a:p>
@@ -3110,7 +3110,7 @@
         </p:nvSpPr>
         <p:spPr>
           <a:xfrm>
-            <a:off x="9959546" y="1164513"/>
+            <a:off x="9987458" y="1164513"/>
             <a:ext cx="1519544" cy="523220"/>
           </a:xfrm>
           <a:prstGeom prst="rect">
@@ -3183,8 +3183,8 @@
         </p:nvSpPr>
         <p:spPr>
           <a:xfrm>
-            <a:off x="9959546" y="3458740"/>
-            <a:ext cx="1519544" cy="307777"/>
+            <a:off x="10015370" y="3472697"/>
+            <a:ext cx="1519544" cy="523220"/>
           </a:xfrm>
           <a:prstGeom prst="rect">
             <a:avLst/>
@@ -3203,7 +3203,7 @@
                 <a:latin typeface="Times New Roman" panose="02020603050405020304" pitchFamily="18" charset="0"/>
                 <a:cs typeface="Times New Roman" panose="02020603050405020304" pitchFamily="18" charset="0"/>
               </a:rPr>
-              <a:t>ESR Basic Unit</a:t>
+              <a:t>Radio Frequency Oscillator</a:t>
             </a:r>
             <a:endParaRPr lang="en-GB" sz="1400" dirty="0">
               <a:latin typeface="Times New Roman" panose="02020603050405020304" pitchFamily="18" charset="0"/>
@@ -3377,7 +3377,7 @@
     </a:clrScheme>
     <a:fontScheme name="Office">
       <a:majorFont>
-        <a:latin typeface="Calibri Light" panose="020F0302020204030204"/>
+        <a:latin typeface="Calibri Light"/>
         <a:ea typeface=""/>
         <a:cs typeface=""/>
         <a:font script="Jpan" typeface="ＭＳ Ｐゴシック"/>
@@ -3412,7 +3412,7 @@
         <a:font script="Geor" typeface="Sylfaen"/>
       </a:majorFont>
       <a:minorFont>
-        <a:latin typeface="Calibri" panose="020F0502020204030204"/>
+        <a:latin typeface="Calibri"/>
         <a:ea typeface=""/>
         <a:cs typeface=""/>
         <a:font script="Jpan" typeface="ＭＳ Ｐゴシック"/>
@@ -3589,7 +3589,7 @@
   <a:extraClrSchemeLst/>
   <a:extLst>
     <a:ext uri="{05A4C25C-085E-4340-85A3-A5531E510DB2}">
-      <thm15:themeFamily xmlns:thm15="http://schemas.microsoft.com/office/thememl/2012/main" name="Office Theme" id="{62F939B6-93AF-4DB8-9C6B-D6C7DFDC589F}" vid="{4A3C46E8-61CC-4603-A589-7422A47A8E4A}"/>
+      <thm15:themeFamily xmlns:thm15="http://schemas.microsoft.com/office/thememl/2012/main" xmlns="" name="Office Theme" id="{62F939B6-93AF-4DB8-9C6B-D6C7DFDC589F}" vid="{4A3C46E8-61CC-4603-A589-7422A47A8E4A}"/>
     </a:ext>
   </a:extLst>
 </a:theme>

--- a/PHY2026/Experiment_2/Final_Report/pre_exp2.pptx
+++ b/PHY2026/Experiment_2/Final_Report/pre_exp2.pptx
@@ -104,6 +104,22 @@
       </a:defRPr>
     </a:lvl9pPr>
   </p:defaultTextStyle>
+  <p:extLst>
+    <p:ext uri="{EFAFB233-063F-42B5-8137-9DF3F51BA10A}">
+      <p15:sldGuideLst xmlns:p15="http://schemas.microsoft.com/office/powerpoint/2012/main">
+        <p15:guide id="1" orient="horz" pos="2160">
+          <p15:clr>
+            <a:srgbClr val="A4A3A4"/>
+          </p15:clr>
+        </p15:guide>
+        <p15:guide id="2" pos="3840">
+          <p15:clr>
+            <a:srgbClr val="A4A3A4"/>
+          </p15:clr>
+        </p15:guide>
+      </p15:sldGuideLst>
+    </p:ext>
+  </p:extLst>
 </p:presentation>
 </file>
 
@@ -238,7 +254,7 @@
           <a:p>
             <a:fld id="{A25876A8-7E41-4E60-A630-D31C70625FFA}" type="datetimeFigureOut">
               <a:rPr lang="en-GB" smtClean="0"/>
-              <a:t>29/11/18</a:t>
+              <a:t>01/12/2018</a:t>
             </a:fld>
             <a:endParaRPr lang="en-GB"/>
           </a:p>
@@ -408,7 +424,7 @@
           <a:p>
             <a:fld id="{A25876A8-7E41-4E60-A630-D31C70625FFA}" type="datetimeFigureOut">
               <a:rPr lang="en-GB" smtClean="0"/>
-              <a:t>29/11/18</a:t>
+              <a:t>01/12/2018</a:t>
             </a:fld>
             <a:endParaRPr lang="en-GB"/>
           </a:p>
@@ -588,7 +604,7 @@
           <a:p>
             <a:fld id="{A25876A8-7E41-4E60-A630-D31C70625FFA}" type="datetimeFigureOut">
               <a:rPr lang="en-GB" smtClean="0"/>
-              <a:t>29/11/18</a:t>
+              <a:t>01/12/2018</a:t>
             </a:fld>
             <a:endParaRPr lang="en-GB"/>
           </a:p>
@@ -758,7 +774,7 @@
           <a:p>
             <a:fld id="{A25876A8-7E41-4E60-A630-D31C70625FFA}" type="datetimeFigureOut">
               <a:rPr lang="en-GB" smtClean="0"/>
-              <a:t>29/11/18</a:t>
+              <a:t>01/12/2018</a:t>
             </a:fld>
             <a:endParaRPr lang="en-GB"/>
           </a:p>
@@ -1004,7 +1020,7 @@
           <a:p>
             <a:fld id="{A25876A8-7E41-4E60-A630-D31C70625FFA}" type="datetimeFigureOut">
               <a:rPr lang="en-GB" smtClean="0"/>
-              <a:t>29/11/18</a:t>
+              <a:t>01/12/2018</a:t>
             </a:fld>
             <a:endParaRPr lang="en-GB"/>
           </a:p>
@@ -1236,7 +1252,7 @@
           <a:p>
             <a:fld id="{A25876A8-7E41-4E60-A630-D31C70625FFA}" type="datetimeFigureOut">
               <a:rPr lang="en-GB" smtClean="0"/>
-              <a:t>29/11/18</a:t>
+              <a:t>01/12/2018</a:t>
             </a:fld>
             <a:endParaRPr lang="en-GB"/>
           </a:p>
@@ -1603,7 +1619,7 @@
           <a:p>
             <a:fld id="{A25876A8-7E41-4E60-A630-D31C70625FFA}" type="datetimeFigureOut">
               <a:rPr lang="en-GB" smtClean="0"/>
-              <a:t>29/11/18</a:t>
+              <a:t>01/12/2018</a:t>
             </a:fld>
             <a:endParaRPr lang="en-GB"/>
           </a:p>
@@ -1721,7 +1737,7 @@
           <a:p>
             <a:fld id="{A25876A8-7E41-4E60-A630-D31C70625FFA}" type="datetimeFigureOut">
               <a:rPr lang="en-GB" smtClean="0"/>
-              <a:t>29/11/18</a:t>
+              <a:t>01/12/2018</a:t>
             </a:fld>
             <a:endParaRPr lang="en-GB"/>
           </a:p>
@@ -1816,7 +1832,7 @@
           <a:p>
             <a:fld id="{A25876A8-7E41-4E60-A630-D31C70625FFA}" type="datetimeFigureOut">
               <a:rPr lang="en-GB" smtClean="0"/>
-              <a:t>29/11/18</a:t>
+              <a:t>01/12/2018</a:t>
             </a:fld>
             <a:endParaRPr lang="en-GB"/>
           </a:p>
@@ -2093,7 +2109,7 @@
           <a:p>
             <a:fld id="{A25876A8-7E41-4E60-A630-D31C70625FFA}" type="datetimeFigureOut">
               <a:rPr lang="en-GB" smtClean="0"/>
-              <a:t>29/11/18</a:t>
+              <a:t>01/12/2018</a:t>
             </a:fld>
             <a:endParaRPr lang="en-GB"/>
           </a:p>
@@ -2346,7 +2362,7 @@
           <a:p>
             <a:fld id="{A25876A8-7E41-4E60-A630-D31C70625FFA}" type="datetimeFigureOut">
               <a:rPr lang="en-GB" smtClean="0"/>
-              <a:t>29/11/18</a:t>
+              <a:t>01/12/2018</a:t>
             </a:fld>
             <a:endParaRPr lang="en-GB"/>
           </a:p>
@@ -2559,7 +2575,7 @@
           <a:p>
             <a:fld id="{A25876A8-7E41-4E60-A630-D31C70625FFA}" type="datetimeFigureOut">
               <a:rPr lang="en-GB" smtClean="0"/>
-              <a:t>29/11/18</a:t>
+              <a:t>01/12/2018</a:t>
             </a:fld>
             <a:endParaRPr lang="en-GB"/>
           </a:p>
@@ -3002,8 +3018,8 @@
         </p:nvSpPr>
         <p:spPr>
           <a:xfrm>
-            <a:off x="1235675" y="856736"/>
-            <a:ext cx="897925" cy="307777"/>
+            <a:off x="933103" y="807308"/>
+            <a:ext cx="1208735" cy="400110"/>
           </a:xfrm>
           <a:prstGeom prst="rect">
             <a:avLst/>
@@ -3017,13 +3033,13 @@
           <a:lstStyle/>
           <a:p>
             <a:r>
-              <a:rPr lang="en-GB" sz="1400" dirty="0" smtClean="0">
+              <a:rPr lang="en-GB" sz="2000" dirty="0" smtClean="0">
                 <a:latin typeface="Times New Roman" panose="02020603050405020304" pitchFamily="18" charset="0"/>
                 <a:cs typeface="Times New Roman" panose="02020603050405020304" pitchFamily="18" charset="0"/>
               </a:rPr>
               <a:t>Inductors</a:t>
             </a:r>
-            <a:endParaRPr lang="en-GB" sz="1400" dirty="0">
+            <a:endParaRPr lang="en-GB" sz="2000" dirty="0">
               <a:latin typeface="Times New Roman" panose="02020603050405020304" pitchFamily="18" charset="0"/>
               <a:cs typeface="Times New Roman" panose="02020603050405020304" pitchFamily="18" charset="0"/>
             </a:endParaRPr>
@@ -3110,8 +3126,8 @@
         </p:nvSpPr>
         <p:spPr>
           <a:xfrm>
-            <a:off x="9987458" y="1164513"/>
-            <a:ext cx="1519544" cy="523220"/>
+            <a:off x="9987458" y="1156275"/>
+            <a:ext cx="1519544" cy="1015663"/>
           </a:xfrm>
           <a:prstGeom prst="rect">
             <a:avLst/>
@@ -3126,13 +3142,13 @@
           <a:p>
             <a:pPr algn="ctr"/>
             <a:r>
-              <a:rPr lang="en-GB" sz="1400" dirty="0" smtClean="0">
+              <a:rPr lang="en-GB" sz="2000" dirty="0" smtClean="0">
                 <a:latin typeface="Times New Roman" panose="02020603050405020304" pitchFamily="18" charset="0"/>
                 <a:cs typeface="Times New Roman" panose="02020603050405020304" pitchFamily="18" charset="0"/>
               </a:rPr>
               <a:t>Passive Resonant Circuit</a:t>
             </a:r>
-            <a:endParaRPr lang="en-GB" sz="1400" dirty="0">
+            <a:endParaRPr lang="en-GB" sz="2000" dirty="0">
               <a:latin typeface="Times New Roman" panose="02020603050405020304" pitchFamily="18" charset="0"/>
               <a:cs typeface="Times New Roman" panose="02020603050405020304" pitchFamily="18" charset="0"/>
             </a:endParaRPr>
@@ -3183,8 +3199,8 @@
         </p:nvSpPr>
         <p:spPr>
           <a:xfrm>
-            <a:off x="10015370" y="3472697"/>
-            <a:ext cx="1519544" cy="523220"/>
+            <a:off x="10007132" y="3118471"/>
+            <a:ext cx="1519544" cy="1015663"/>
           </a:xfrm>
           <a:prstGeom prst="rect">
             <a:avLst/>
@@ -3199,13 +3215,20 @@
           <a:p>
             <a:pPr algn="ctr"/>
             <a:r>
-              <a:rPr lang="en-GB" sz="1400" dirty="0" smtClean="0">
+              <a:rPr lang="en-GB" sz="2000" dirty="0" smtClean="0">
                 <a:latin typeface="Times New Roman" panose="02020603050405020304" pitchFamily="18" charset="0"/>
                 <a:cs typeface="Times New Roman" panose="02020603050405020304" pitchFamily="18" charset="0"/>
               </a:rPr>
-              <a:t>Radio Frequency Oscillator</a:t>
-            </a:r>
-            <a:endParaRPr lang="en-GB" sz="1400" dirty="0">
+              <a:t>Radio Frequency </a:t>
+            </a:r>
+            <a:r>
+              <a:rPr lang="en-GB" sz="2000" dirty="0" smtClean="0">
+                <a:latin typeface="Times New Roman" panose="02020603050405020304" pitchFamily="18" charset="0"/>
+                <a:cs typeface="Times New Roman" panose="02020603050405020304" pitchFamily="18" charset="0"/>
+              </a:rPr>
+              <a:t>Oscillator</a:t>
+            </a:r>
+            <a:endParaRPr lang="en-GB" sz="2000" dirty="0">
               <a:latin typeface="Times New Roman" panose="02020603050405020304" pitchFamily="18" charset="0"/>
               <a:cs typeface="Times New Roman" panose="02020603050405020304" pitchFamily="18" charset="0"/>
             </a:endParaRPr>
@@ -3256,8 +3279,8 @@
         </p:nvSpPr>
         <p:spPr>
           <a:xfrm>
-            <a:off x="924865" y="3766517"/>
-            <a:ext cx="1519544" cy="523220"/>
+            <a:off x="777698" y="3611519"/>
+            <a:ext cx="1519544" cy="707886"/>
           </a:xfrm>
           <a:prstGeom prst="rect">
             <a:avLst/>
@@ -3272,13 +3295,13 @@
           <a:p>
             <a:pPr algn="ctr"/>
             <a:r>
-              <a:rPr lang="en-GB" sz="1400" dirty="0" smtClean="0">
+              <a:rPr lang="en-GB" sz="2000" dirty="0" smtClean="0">
                 <a:latin typeface="Times New Roman" panose="02020603050405020304" pitchFamily="18" charset="0"/>
                 <a:cs typeface="Times New Roman" panose="02020603050405020304" pitchFamily="18" charset="0"/>
               </a:rPr>
               <a:t>Frequency Adjustor</a:t>
             </a:r>
-            <a:endParaRPr lang="en-GB" sz="1400" dirty="0">
+            <a:endParaRPr lang="en-GB" sz="2000" dirty="0">
               <a:latin typeface="Times New Roman" panose="02020603050405020304" pitchFamily="18" charset="0"/>
               <a:cs typeface="Times New Roman" panose="02020603050405020304" pitchFamily="18" charset="0"/>
             </a:endParaRPr>
@@ -3589,7 +3612,7 @@
   <a:extraClrSchemeLst/>
   <a:extLst>
     <a:ext uri="{05A4C25C-085E-4340-85A3-A5531E510DB2}">
-      <thm15:themeFamily xmlns:thm15="http://schemas.microsoft.com/office/thememl/2012/main" xmlns="" name="Office Theme" id="{62F939B6-93AF-4DB8-9C6B-D6C7DFDC589F}" vid="{4A3C46E8-61CC-4603-A589-7422A47A8E4A}"/>
+      <thm15:themeFamily xmlns:thm15="http://schemas.microsoft.com/office/thememl/2012/main" name="Office Theme" id="{62F939B6-93AF-4DB8-9C6B-D6C7DFDC589F}" vid="{4A3C46E8-61CC-4603-A589-7422A47A8E4A}"/>
     </a:ext>
   </a:extLst>
 </a:theme>
